--- a/slides/sc19_tutorial_intro.pptx
+++ b/slides/sc19_tutorial_intro.pptx
@@ -215,7 +215,7 @@
           <a:p>
             <a:fld id="{89E96D6E-0423-7341-8D17-96BD8A1BF2C0}" type="datetimeFigureOut">
               <a:rPr lang="en-US" smtClean="0"/>
-              <a:t>11/8/19</a:t>
+              <a:t>11/17/19</a:t>
             </a:fld>
             <a:endParaRPr lang="en-US"/>
           </a:p>
@@ -5342,7 +5342,7 @@
           <a:p>
             <a:fld id="{F46EDD32-319E-1849-AF7B-D687449C9808}" type="datetimeFigureOut">
               <a:rPr lang="en-US" smtClean="0"/>
-              <a:t>11/8/19</a:t>
+              <a:t>11/17/19</a:t>
             </a:fld>
             <a:endParaRPr lang="en-US"/>
           </a:p>
@@ -5567,7 +5567,7 @@
           <a:p>
             <a:fld id="{F46EDD32-319E-1849-AF7B-D687449C9808}" type="datetimeFigureOut">
               <a:rPr lang="en-US" smtClean="0"/>
-              <a:t>11/8/19</a:t>
+              <a:t>11/17/19</a:t>
             </a:fld>
             <a:endParaRPr lang="en-US"/>
           </a:p>
@@ -13603,7 +13603,7 @@
           <a:p>
             <a:fld id="{F46EDD32-319E-1849-AF7B-D687449C9808}" type="datetimeFigureOut">
               <a:rPr lang="en-US" smtClean="0"/>
-              <a:t>11/8/19</a:t>
+              <a:t>11/17/19</a:t>
             </a:fld>
             <a:endParaRPr lang="en-US"/>
           </a:p>
@@ -16223,7 +16223,7 @@
           <a:p>
             <a:fld id="{F46EDD32-319E-1849-AF7B-D687449C9808}" type="datetimeFigureOut">
               <a:rPr lang="en-US" smtClean="0"/>
-              <a:t>11/8/19</a:t>
+              <a:t>11/17/19</a:t>
             </a:fld>
             <a:endParaRPr lang="en-US"/>
           </a:p>
@@ -23615,24 +23615,12 @@
             <a:pPr marL="0" indent="0" algn="ctr">
               <a:buNone/>
             </a:pPr>
-            <a:endParaRPr lang="en-US" sz="2800" dirty="0"/>
-          </a:p>
-          <a:p>
-            <a:pPr marL="0" indent="0" algn="ctr">
-              <a:buNone/>
-            </a:pPr>
             <a:r>
               <a:rPr lang="en-US" sz="2800" dirty="0">
                 <a:hlinkClick r:id="rId2"/>
               </a:rPr>
-              <a:t>https://tinyurl.com/yxbhpo35</a:t>
-            </a:r>
-            <a:endParaRPr lang="en-US" sz="2800" dirty="0"/>
-          </a:p>
-          <a:p>
-            <a:pPr marL="0" indent="0" algn="ctr">
-              <a:buNone/>
-            </a:pPr>
+              <a:t>https://tinyurl.com/sc19tut</a:t>
+            </a:r>
             <a:endParaRPr lang="en-US" sz="2800" dirty="0"/>
           </a:p>
           <a:p>
@@ -23987,7 +23975,7 @@
               <a:rPr lang="en-US" dirty="0">
                 <a:hlinkClick r:id="rId2"/>
               </a:rPr>
-              <a:t>https://tinyurl.com/yxbhpo35</a:t>
+              <a:t>https://tinyurl.com/sc19tut</a:t>
             </a:r>
             <a:endParaRPr lang="en-US" dirty="0"/>
           </a:p>
